--- a/PPT_endgame.pptx
+++ b/PPT_endgame.pptx
@@ -5,18 +5,22 @@
     <p:sldMasterId id="2147483648" r:id="rId1"/>
   </p:sldMasterIdLst>
   <p:notesMasterIdLst>
-    <p:notesMasterId r:id="rId11"/>
+    <p:notesMasterId r:id="rId15"/>
   </p:notesMasterIdLst>
   <p:sldIdLst>
     <p:sldId id="256" r:id="rId2"/>
     <p:sldId id="257" r:id="rId3"/>
     <p:sldId id="269" r:id="rId4"/>
-    <p:sldId id="272" r:id="rId5"/>
-    <p:sldId id="273" r:id="rId6"/>
-    <p:sldId id="274" r:id="rId7"/>
-    <p:sldId id="275" r:id="rId8"/>
-    <p:sldId id="276" r:id="rId9"/>
-    <p:sldId id="267" r:id="rId10"/>
+    <p:sldId id="280" r:id="rId5"/>
+    <p:sldId id="272" r:id="rId6"/>
+    <p:sldId id="273" r:id="rId7"/>
+    <p:sldId id="277" r:id="rId8"/>
+    <p:sldId id="279" r:id="rId9"/>
+    <p:sldId id="278" r:id="rId10"/>
+    <p:sldId id="274" r:id="rId11"/>
+    <p:sldId id="275" r:id="rId12"/>
+    <p:sldId id="276" r:id="rId13"/>
+    <p:sldId id="267" r:id="rId14"/>
   </p:sldIdLst>
   <p:sldSz cx="6858000" cy="5143500"/>
   <p:notesSz cx="6858000" cy="5143500"/>
@@ -216,7 +220,7 @@
           <a:p>
             <a:fld id="{7C119AA3-4FA4-424B-87D0-41D4A29E94D7}" type="datetimeFigureOut">
               <a:rPr lang="ko-KR" altLang="en-US" smtClean="0"/>
-              <a:t>2020-05-27</a:t>
+              <a:t>2020-05-30</a:t>
             </a:fld>
             <a:endParaRPr lang="ko-KR" altLang="en-US"/>
           </a:p>
@@ -676,7 +680,7 @@
           <a:p>
             <a:fld id="{1D8BD707-D9CF-40AE-B4C6-C98DA3205C09}" type="datetimeFigureOut">
               <a:rPr lang="en-US"/>
-              <a:t>5/27/2020</a:t>
+              <a:t>5/30/2020</a:t>
             </a:fld>
             <a:endParaRPr lang="en-US"/>
           </a:p>
@@ -893,7 +897,7 @@
           <a:p>
             <a:fld id="{1D8BD707-D9CF-40AE-B4C6-C98DA3205C09}" type="datetimeFigureOut">
               <a:rPr lang="en-US"/>
-              <a:t>5/27/2020</a:t>
+              <a:t>5/30/2020</a:t>
             </a:fld>
             <a:endParaRPr lang="en-US"/>
           </a:p>
@@ -1153,7 +1157,7 @@
           <a:p>
             <a:fld id="{1D8BD707-D9CF-40AE-B4C6-C98DA3205C09}" type="datetimeFigureOut">
               <a:rPr lang="en-US"/>
-              <a:t>5/27/2020</a:t>
+              <a:t>5/30/2020</a:t>
             </a:fld>
             <a:endParaRPr lang="en-US"/>
           </a:p>
@@ -1347,7 +1351,7 @@
           <a:p>
             <a:fld id="{1D8BD707-D9CF-40AE-B4C6-C98DA3205C09}" type="datetimeFigureOut">
               <a:rPr lang="en-US"/>
-              <a:t>5/27/2020</a:t>
+              <a:t>5/30/2020</a:t>
             </a:fld>
             <a:endParaRPr lang="en-US"/>
           </a:p>
@@ -1512,7 +1516,7 @@
           <a:p>
             <a:fld id="{1D8BD707-D9CF-40AE-B4C6-C98DA3205C09}" type="datetimeFigureOut">
               <a:rPr lang="en-US"/>
-              <a:t>5/27/2020</a:t>
+              <a:t>5/30/2020</a:t>
             </a:fld>
             <a:endParaRPr lang="en-US"/>
           </a:p>
@@ -2216,7 +2220,7 @@
           <a:p>
             <a:fld id="{1D8BD707-D9CF-40AE-B4C6-C98DA3205C09}" type="datetimeFigureOut">
               <a:rPr lang="en-US"/>
-              <a:t>5/27/2020</a:t>
+              <a:t>5/30/2020</a:t>
             </a:fld>
             <a:endParaRPr lang="en-US"/>
           </a:p>
@@ -3128,6 +3132,755 @@
 </p:sld>
 </file>
 
+<file path=ppt/slides/slide10.xml><?xml version="1.0" encoding="utf-8"?>
+<p:sld xmlns:a="http://schemas.openxmlformats.org/drawingml/2006/main" xmlns:r="http://schemas.openxmlformats.org/officeDocument/2006/relationships" xmlns:p="http://schemas.openxmlformats.org/presentationml/2006/main">
+  <p:cSld>
+    <p:spTree>
+      <p:nvGrpSpPr>
+        <p:cNvPr id="1" name=""/>
+        <p:cNvGrpSpPr/>
+        <p:nvPr/>
+      </p:nvGrpSpPr>
+      <p:grpSpPr>
+        <a:xfrm>
+          <a:off x="0" y="0"/>
+          <a:ext cx="0" cy="0"/>
+          <a:chOff x="0" y="0"/>
+          <a:chExt cx="0" cy="0"/>
+        </a:xfrm>
+      </p:grpSpPr>
+      <p:sp>
+        <p:nvSpPr>
+          <p:cNvPr id="29" name="object 29"/>
+          <p:cNvSpPr txBox="1">
+            <a:spLocks noGrp="1"/>
+          </p:cNvSpPr>
+          <p:nvPr>
+            <p:ph type="ftr" sz="quarter" idx="5"/>
+          </p:nvPr>
+        </p:nvSpPr>
+        <p:spPr>
+          <a:prstGeom prst="rect">
+            <a:avLst/>
+          </a:prstGeom>
+        </p:spPr>
+        <p:txBody>
+          <a:bodyPr vert="horz" wrap="square" lIns="0" tIns="0" rIns="0" bIns="0" rtlCol="0">
+            <a:spAutoFit/>
+          </a:bodyPr>
+          <a:lstStyle/>
+          <a:p>
+            <a:pPr marL="12700">
+              <a:lnSpc>
+                <a:spcPts val="1240"/>
+              </a:lnSpc>
+            </a:pPr>
+            <a:r>
+              <a:rPr spc="-15" dirty="0"/>
+              <a:t>ht</a:t>
+            </a:r>
+            <a:r>
+              <a:rPr dirty="0"/>
+              <a:t>tps</a:t>
+            </a:r>
+            <a:r>
+              <a:rPr spc="-5" dirty="0"/>
+              <a:t>:/</a:t>
+            </a:r>
+            <a:r>
+              <a:rPr spc="-10" dirty="0"/>
+              <a:t>/</a:t>
+            </a:r>
+            <a:r>
+              <a:rPr dirty="0"/>
+              <a:t>da</a:t>
+            </a:r>
+            <a:r>
+              <a:rPr spc="-10" dirty="0"/>
+              <a:t>c</a:t>
+            </a:r>
+            <a:r>
+              <a:rPr spc="-5" dirty="0"/>
+              <a:t>on</a:t>
+            </a:r>
+            <a:r>
+              <a:rPr spc="-10" dirty="0"/>
+              <a:t>.</a:t>
+            </a:r>
+            <a:r>
+              <a:rPr dirty="0"/>
+              <a:t>io</a:t>
+            </a:r>
+          </a:p>
+        </p:txBody>
+      </p:sp>
+      <p:sp>
+        <p:nvSpPr>
+          <p:cNvPr id="30" name="object 30"/>
+          <p:cNvSpPr txBox="1">
+            <a:spLocks noGrp="1"/>
+          </p:cNvSpPr>
+          <p:nvPr>
+            <p:ph type="sldNum" sz="quarter" idx="7"/>
+          </p:nvPr>
+        </p:nvSpPr>
+        <p:spPr>
+          <a:prstGeom prst="rect">
+            <a:avLst/>
+          </a:prstGeom>
+        </p:spPr>
+        <p:txBody>
+          <a:bodyPr vert="horz" wrap="square" lIns="0" tIns="0" rIns="0" bIns="0" rtlCol="0">
+            <a:spAutoFit/>
+          </a:bodyPr>
+          <a:lstStyle/>
+          <a:p>
+            <a:pPr marL="25400">
+              <a:lnSpc>
+                <a:spcPts val="1240"/>
+              </a:lnSpc>
+            </a:pPr>
+            <a:fld id="{81D60167-4931-47E6-BA6A-407CBD079E47}" type="slidenum">
+              <a:rPr dirty="0"/>
+              <a:t>10</a:t>
+            </a:fld>
+            <a:endParaRPr dirty="0"/>
+          </a:p>
+        </p:txBody>
+      </p:sp>
+      <p:sp>
+        <p:nvSpPr>
+          <p:cNvPr id="27" name="TextBox 26">
+            <a:extLst>
+              <a:ext uri="{FF2B5EF4-FFF2-40B4-BE49-F238E27FC236}">
+                <a16:creationId xmlns:a16="http://schemas.microsoft.com/office/drawing/2014/main" id="{EC1685DE-9F1C-4C45-ACAA-4D63BB604828}"/>
+              </a:ext>
+            </a:extLst>
+          </p:cNvPr>
+          <p:cNvSpPr txBox="1"/>
+          <p:nvPr/>
+        </p:nvSpPr>
+        <p:spPr>
+          <a:xfrm>
+            <a:off x="475176" y="196018"/>
+            <a:ext cx="2649023" cy="369332"/>
+          </a:xfrm>
+          <a:prstGeom prst="rect">
+            <a:avLst/>
+          </a:prstGeom>
+          <a:noFill/>
+        </p:spPr>
+        <p:txBody>
+          <a:bodyPr wrap="square" rtlCol="0">
+            <a:spAutoFit/>
+          </a:bodyPr>
+          <a:lstStyle/>
+          <a:p>
+            <a:r>
+              <a:rPr lang="en-US" altLang="ko-KR" dirty="0"/>
+              <a:t>2. ______________</a:t>
+            </a:r>
+            <a:endParaRPr lang="ko-KR" altLang="en-US" dirty="0"/>
+          </a:p>
+        </p:txBody>
+      </p:sp>
+    </p:spTree>
+    <p:extLst>
+      <p:ext uri="{BB962C8B-B14F-4D97-AF65-F5344CB8AC3E}">
+        <p14:creationId xmlns:p14="http://schemas.microsoft.com/office/powerpoint/2010/main" val="169326554"/>
+      </p:ext>
+    </p:extLst>
+  </p:cSld>
+  <p:clrMapOvr>
+    <a:masterClrMapping/>
+  </p:clrMapOvr>
+</p:sld>
+</file>
+
+<file path=ppt/slides/slide11.xml><?xml version="1.0" encoding="utf-8"?>
+<p:sld xmlns:a="http://schemas.openxmlformats.org/drawingml/2006/main" xmlns:r="http://schemas.openxmlformats.org/officeDocument/2006/relationships" xmlns:p="http://schemas.openxmlformats.org/presentationml/2006/main">
+  <p:cSld>
+    <p:spTree>
+      <p:nvGrpSpPr>
+        <p:cNvPr id="1" name=""/>
+        <p:cNvGrpSpPr/>
+        <p:nvPr/>
+      </p:nvGrpSpPr>
+      <p:grpSpPr>
+        <a:xfrm>
+          <a:off x="0" y="0"/>
+          <a:ext cx="0" cy="0"/>
+          <a:chOff x="0" y="0"/>
+          <a:chExt cx="0" cy="0"/>
+        </a:xfrm>
+      </p:grpSpPr>
+      <p:sp>
+        <p:nvSpPr>
+          <p:cNvPr id="29" name="object 29"/>
+          <p:cNvSpPr txBox="1">
+            <a:spLocks noGrp="1"/>
+          </p:cNvSpPr>
+          <p:nvPr>
+            <p:ph type="ftr" sz="quarter" idx="5"/>
+          </p:nvPr>
+        </p:nvSpPr>
+        <p:spPr>
+          <a:prstGeom prst="rect">
+            <a:avLst/>
+          </a:prstGeom>
+        </p:spPr>
+        <p:txBody>
+          <a:bodyPr vert="horz" wrap="square" lIns="0" tIns="0" rIns="0" bIns="0" rtlCol="0">
+            <a:spAutoFit/>
+          </a:bodyPr>
+          <a:lstStyle/>
+          <a:p>
+            <a:pPr marL="12700">
+              <a:lnSpc>
+                <a:spcPts val="1240"/>
+              </a:lnSpc>
+            </a:pPr>
+            <a:r>
+              <a:rPr spc="-15" dirty="0"/>
+              <a:t>ht</a:t>
+            </a:r>
+            <a:r>
+              <a:rPr dirty="0"/>
+              <a:t>tps</a:t>
+            </a:r>
+            <a:r>
+              <a:rPr spc="-5" dirty="0"/>
+              <a:t>:/</a:t>
+            </a:r>
+            <a:r>
+              <a:rPr spc="-10" dirty="0"/>
+              <a:t>/</a:t>
+            </a:r>
+            <a:r>
+              <a:rPr dirty="0"/>
+              <a:t>da</a:t>
+            </a:r>
+            <a:r>
+              <a:rPr spc="-10" dirty="0"/>
+              <a:t>c</a:t>
+            </a:r>
+            <a:r>
+              <a:rPr spc="-5" dirty="0"/>
+              <a:t>on</a:t>
+            </a:r>
+            <a:r>
+              <a:rPr spc="-10" dirty="0"/>
+              <a:t>.</a:t>
+            </a:r>
+            <a:r>
+              <a:rPr dirty="0"/>
+              <a:t>io</a:t>
+            </a:r>
+          </a:p>
+        </p:txBody>
+      </p:sp>
+      <p:sp>
+        <p:nvSpPr>
+          <p:cNvPr id="30" name="object 30"/>
+          <p:cNvSpPr txBox="1">
+            <a:spLocks noGrp="1"/>
+          </p:cNvSpPr>
+          <p:nvPr>
+            <p:ph type="sldNum" sz="quarter" idx="7"/>
+          </p:nvPr>
+        </p:nvSpPr>
+        <p:spPr>
+          <a:prstGeom prst="rect">
+            <a:avLst/>
+          </a:prstGeom>
+        </p:spPr>
+        <p:txBody>
+          <a:bodyPr vert="horz" wrap="square" lIns="0" tIns="0" rIns="0" bIns="0" rtlCol="0">
+            <a:spAutoFit/>
+          </a:bodyPr>
+          <a:lstStyle/>
+          <a:p>
+            <a:pPr marL="25400">
+              <a:lnSpc>
+                <a:spcPts val="1240"/>
+              </a:lnSpc>
+            </a:pPr>
+            <a:fld id="{81D60167-4931-47E6-BA6A-407CBD079E47}" type="slidenum">
+              <a:rPr dirty="0"/>
+              <a:t>11</a:t>
+            </a:fld>
+            <a:endParaRPr dirty="0"/>
+          </a:p>
+        </p:txBody>
+      </p:sp>
+      <p:sp>
+        <p:nvSpPr>
+          <p:cNvPr id="27" name="TextBox 26">
+            <a:extLst>
+              <a:ext uri="{FF2B5EF4-FFF2-40B4-BE49-F238E27FC236}">
+                <a16:creationId xmlns:a16="http://schemas.microsoft.com/office/drawing/2014/main" id="{EC1685DE-9F1C-4C45-ACAA-4D63BB604828}"/>
+              </a:ext>
+            </a:extLst>
+          </p:cNvPr>
+          <p:cNvSpPr txBox="1"/>
+          <p:nvPr/>
+        </p:nvSpPr>
+        <p:spPr>
+          <a:xfrm>
+            <a:off x="475176" y="196018"/>
+            <a:ext cx="2649023" cy="369332"/>
+          </a:xfrm>
+          <a:prstGeom prst="rect">
+            <a:avLst/>
+          </a:prstGeom>
+          <a:noFill/>
+        </p:spPr>
+        <p:txBody>
+          <a:bodyPr wrap="square" rtlCol="0">
+            <a:spAutoFit/>
+          </a:bodyPr>
+          <a:lstStyle/>
+          <a:p>
+            <a:r>
+              <a:rPr lang="en-US" altLang="ko-KR" dirty="0"/>
+              <a:t>3. ______________</a:t>
+            </a:r>
+            <a:endParaRPr lang="ko-KR" altLang="en-US" dirty="0"/>
+          </a:p>
+        </p:txBody>
+      </p:sp>
+    </p:spTree>
+    <p:extLst>
+      <p:ext uri="{BB962C8B-B14F-4D97-AF65-F5344CB8AC3E}">
+        <p14:creationId xmlns:p14="http://schemas.microsoft.com/office/powerpoint/2010/main" val="1772632543"/>
+      </p:ext>
+    </p:extLst>
+  </p:cSld>
+  <p:clrMapOvr>
+    <a:masterClrMapping/>
+  </p:clrMapOvr>
+</p:sld>
+</file>
+
+<file path=ppt/slides/slide12.xml><?xml version="1.0" encoding="utf-8"?>
+<p:sld xmlns:a="http://schemas.openxmlformats.org/drawingml/2006/main" xmlns:r="http://schemas.openxmlformats.org/officeDocument/2006/relationships" xmlns:p="http://schemas.openxmlformats.org/presentationml/2006/main">
+  <p:cSld>
+    <p:spTree>
+      <p:nvGrpSpPr>
+        <p:cNvPr id="1" name=""/>
+        <p:cNvGrpSpPr/>
+        <p:nvPr/>
+      </p:nvGrpSpPr>
+      <p:grpSpPr>
+        <a:xfrm>
+          <a:off x="0" y="0"/>
+          <a:ext cx="0" cy="0"/>
+          <a:chOff x="0" y="0"/>
+          <a:chExt cx="0" cy="0"/>
+        </a:xfrm>
+      </p:grpSpPr>
+      <p:sp>
+        <p:nvSpPr>
+          <p:cNvPr id="29" name="object 29"/>
+          <p:cNvSpPr txBox="1">
+            <a:spLocks noGrp="1"/>
+          </p:cNvSpPr>
+          <p:nvPr>
+            <p:ph type="ftr" sz="quarter" idx="5"/>
+          </p:nvPr>
+        </p:nvSpPr>
+        <p:spPr>
+          <a:prstGeom prst="rect">
+            <a:avLst/>
+          </a:prstGeom>
+        </p:spPr>
+        <p:txBody>
+          <a:bodyPr vert="horz" wrap="square" lIns="0" tIns="0" rIns="0" bIns="0" rtlCol="0">
+            <a:spAutoFit/>
+          </a:bodyPr>
+          <a:lstStyle/>
+          <a:p>
+            <a:pPr marL="12700">
+              <a:lnSpc>
+                <a:spcPts val="1240"/>
+              </a:lnSpc>
+            </a:pPr>
+            <a:r>
+              <a:rPr spc="-15" dirty="0"/>
+              <a:t>ht</a:t>
+            </a:r>
+            <a:r>
+              <a:rPr dirty="0"/>
+              <a:t>tps</a:t>
+            </a:r>
+            <a:r>
+              <a:rPr spc="-5" dirty="0"/>
+              <a:t>:/</a:t>
+            </a:r>
+            <a:r>
+              <a:rPr spc="-10" dirty="0"/>
+              <a:t>/</a:t>
+            </a:r>
+            <a:r>
+              <a:rPr dirty="0"/>
+              <a:t>da</a:t>
+            </a:r>
+            <a:r>
+              <a:rPr spc="-10" dirty="0"/>
+              <a:t>c</a:t>
+            </a:r>
+            <a:r>
+              <a:rPr spc="-5" dirty="0"/>
+              <a:t>on</a:t>
+            </a:r>
+            <a:r>
+              <a:rPr spc="-10" dirty="0"/>
+              <a:t>.</a:t>
+            </a:r>
+            <a:r>
+              <a:rPr dirty="0"/>
+              <a:t>io</a:t>
+            </a:r>
+          </a:p>
+        </p:txBody>
+      </p:sp>
+      <p:sp>
+        <p:nvSpPr>
+          <p:cNvPr id="30" name="object 30"/>
+          <p:cNvSpPr txBox="1">
+            <a:spLocks noGrp="1"/>
+          </p:cNvSpPr>
+          <p:nvPr>
+            <p:ph type="sldNum" sz="quarter" idx="7"/>
+          </p:nvPr>
+        </p:nvSpPr>
+        <p:spPr>
+          <a:prstGeom prst="rect">
+            <a:avLst/>
+          </a:prstGeom>
+        </p:spPr>
+        <p:txBody>
+          <a:bodyPr vert="horz" wrap="square" lIns="0" tIns="0" rIns="0" bIns="0" rtlCol="0">
+            <a:spAutoFit/>
+          </a:bodyPr>
+          <a:lstStyle/>
+          <a:p>
+            <a:pPr marL="25400">
+              <a:lnSpc>
+                <a:spcPts val="1240"/>
+              </a:lnSpc>
+            </a:pPr>
+            <a:fld id="{81D60167-4931-47E6-BA6A-407CBD079E47}" type="slidenum">
+              <a:rPr dirty="0"/>
+              <a:t>12</a:t>
+            </a:fld>
+            <a:endParaRPr dirty="0"/>
+          </a:p>
+        </p:txBody>
+      </p:sp>
+      <p:sp>
+        <p:nvSpPr>
+          <p:cNvPr id="27" name="TextBox 26">
+            <a:extLst>
+              <a:ext uri="{FF2B5EF4-FFF2-40B4-BE49-F238E27FC236}">
+                <a16:creationId xmlns:a16="http://schemas.microsoft.com/office/drawing/2014/main" id="{EC1685DE-9F1C-4C45-ACAA-4D63BB604828}"/>
+              </a:ext>
+            </a:extLst>
+          </p:cNvPr>
+          <p:cNvSpPr txBox="1"/>
+          <p:nvPr/>
+        </p:nvSpPr>
+        <p:spPr>
+          <a:xfrm>
+            <a:off x="475176" y="196018"/>
+            <a:ext cx="2649023" cy="369332"/>
+          </a:xfrm>
+          <a:prstGeom prst="rect">
+            <a:avLst/>
+          </a:prstGeom>
+          <a:noFill/>
+        </p:spPr>
+        <p:txBody>
+          <a:bodyPr wrap="square" rtlCol="0">
+            <a:spAutoFit/>
+          </a:bodyPr>
+          <a:lstStyle/>
+          <a:p>
+            <a:r>
+              <a:rPr lang="en-US" altLang="ko-KR" dirty="0"/>
+              <a:t>3. ______________</a:t>
+            </a:r>
+            <a:endParaRPr lang="ko-KR" altLang="en-US" dirty="0"/>
+          </a:p>
+        </p:txBody>
+      </p:sp>
+    </p:spTree>
+    <p:extLst>
+      <p:ext uri="{BB962C8B-B14F-4D97-AF65-F5344CB8AC3E}">
+        <p14:creationId xmlns:p14="http://schemas.microsoft.com/office/powerpoint/2010/main" val="2146382568"/>
+      </p:ext>
+    </p:extLst>
+  </p:cSld>
+  <p:clrMapOvr>
+    <a:masterClrMapping/>
+  </p:clrMapOvr>
+</p:sld>
+</file>
+
+<file path=ppt/slides/slide13.xml><?xml version="1.0" encoding="utf-8"?>
+<p:sld xmlns:a="http://schemas.openxmlformats.org/drawingml/2006/main" xmlns:r="http://schemas.openxmlformats.org/officeDocument/2006/relationships" xmlns:p="http://schemas.openxmlformats.org/presentationml/2006/main">
+  <p:cSld>
+    <p:spTree>
+      <p:nvGrpSpPr>
+        <p:cNvPr id="1" name=""/>
+        <p:cNvGrpSpPr/>
+        <p:nvPr/>
+      </p:nvGrpSpPr>
+      <p:grpSpPr>
+        <a:xfrm>
+          <a:off x="0" y="0"/>
+          <a:ext cx="0" cy="0"/>
+          <a:chOff x="0" y="0"/>
+          <a:chExt cx="0" cy="0"/>
+        </a:xfrm>
+      </p:grpSpPr>
+      <p:sp>
+        <p:nvSpPr>
+          <p:cNvPr id="2" name="object 2"/>
+          <p:cNvSpPr txBox="1"/>
+          <p:nvPr/>
+        </p:nvSpPr>
+        <p:spPr>
+          <a:xfrm>
+            <a:off x="323189" y="182956"/>
+            <a:ext cx="1005205" cy="240029"/>
+          </a:xfrm>
+          <a:prstGeom prst="rect">
+            <a:avLst/>
+          </a:prstGeom>
+        </p:spPr>
+        <p:txBody>
+          <a:bodyPr vert="horz" wrap="square" lIns="0" tIns="13335" rIns="0" bIns="0" rtlCol="0">
+            <a:spAutoFit/>
+          </a:bodyPr>
+          <a:lstStyle/>
+          <a:p>
+            <a:pPr marL="12700">
+              <a:lnSpc>
+                <a:spcPct val="100000"/>
+              </a:lnSpc>
+              <a:spcBef>
+                <a:spcPts val="105"/>
+              </a:spcBef>
+            </a:pPr>
+            <a:r>
+              <a:rPr sz="1400" b="1" dirty="0">
+                <a:latin typeface="Trebuchet MS"/>
+                <a:cs typeface="Trebuchet MS"/>
+              </a:rPr>
+              <a:t>THANK</a:t>
+            </a:r>
+            <a:r>
+              <a:rPr sz="1400" b="1" spc="-90" dirty="0">
+                <a:latin typeface="Trebuchet MS"/>
+                <a:cs typeface="Trebuchet MS"/>
+              </a:rPr>
+              <a:t> </a:t>
+            </a:r>
+            <a:r>
+              <a:rPr sz="1400" b="1" spc="-5" dirty="0">
+                <a:latin typeface="Trebuchet MS"/>
+                <a:cs typeface="Trebuchet MS"/>
+              </a:rPr>
+              <a:t>YOU</a:t>
+            </a:r>
+            <a:endParaRPr sz="1400">
+              <a:latin typeface="Trebuchet MS"/>
+              <a:cs typeface="Trebuchet MS"/>
+            </a:endParaRPr>
+          </a:p>
+        </p:txBody>
+      </p:sp>
+      <p:sp>
+        <p:nvSpPr>
+          <p:cNvPr id="3" name="object 3"/>
+          <p:cNvSpPr txBox="1">
+            <a:spLocks noGrp="1"/>
+          </p:cNvSpPr>
+          <p:nvPr>
+            <p:ph type="title"/>
+          </p:nvPr>
+        </p:nvSpPr>
+        <p:spPr>
+          <a:prstGeom prst="rect">
+            <a:avLst/>
+          </a:prstGeom>
+        </p:spPr>
+        <p:txBody>
+          <a:bodyPr vert="horz" wrap="square" lIns="0" tIns="12700" rIns="0" bIns="0" rtlCol="0">
+            <a:spAutoFit/>
+          </a:bodyPr>
+          <a:lstStyle/>
+          <a:p>
+            <a:pPr marL="15240">
+              <a:lnSpc>
+                <a:spcPct val="100000"/>
+              </a:lnSpc>
+              <a:spcBef>
+                <a:spcPts val="100"/>
+              </a:spcBef>
+            </a:pPr>
+            <a:r>
+              <a:rPr dirty="0"/>
+              <a:t>THANK</a:t>
+            </a:r>
+            <a:r>
+              <a:rPr spc="-140" dirty="0"/>
+              <a:t> </a:t>
+            </a:r>
+            <a:r>
+              <a:rPr spc="-5" dirty="0"/>
+              <a:t>YOU</a:t>
+            </a:r>
+          </a:p>
+        </p:txBody>
+      </p:sp>
+      <p:sp>
+        <p:nvSpPr>
+          <p:cNvPr id="4" name="object 4"/>
+          <p:cNvSpPr/>
+          <p:nvPr/>
+        </p:nvSpPr>
+        <p:spPr>
+          <a:xfrm>
+            <a:off x="2236124" y="1187505"/>
+            <a:ext cx="2298747" cy="1203581"/>
+          </a:xfrm>
+          <a:prstGeom prst="rect">
+            <a:avLst/>
+          </a:prstGeom>
+          <a:blipFill>
+            <a:blip r:embed="rId2" cstate="print"/>
+            <a:stretch>
+              <a:fillRect/>
+            </a:stretch>
+          </a:blipFill>
+        </p:spPr>
+        <p:txBody>
+          <a:bodyPr wrap="square" lIns="0" tIns="0" rIns="0" bIns="0" rtlCol="0"/>
+          <a:lstStyle/>
+          <a:p>
+            <a:endParaRPr/>
+          </a:p>
+        </p:txBody>
+      </p:sp>
+      <p:sp>
+        <p:nvSpPr>
+          <p:cNvPr id="5" name="object 5"/>
+          <p:cNvSpPr txBox="1">
+            <a:spLocks noGrp="1"/>
+          </p:cNvSpPr>
+          <p:nvPr>
+            <p:ph type="ftr" sz="quarter" idx="5"/>
+          </p:nvPr>
+        </p:nvSpPr>
+        <p:spPr>
+          <a:prstGeom prst="rect">
+            <a:avLst/>
+          </a:prstGeom>
+        </p:spPr>
+        <p:txBody>
+          <a:bodyPr vert="horz" wrap="square" lIns="0" tIns="0" rIns="0" bIns="0" rtlCol="0">
+            <a:spAutoFit/>
+          </a:bodyPr>
+          <a:lstStyle/>
+          <a:p>
+            <a:pPr marL="12700">
+              <a:lnSpc>
+                <a:spcPts val="1240"/>
+              </a:lnSpc>
+            </a:pPr>
+            <a:r>
+              <a:rPr spc="-15" dirty="0"/>
+              <a:t>ht</a:t>
+            </a:r>
+            <a:r>
+              <a:rPr dirty="0"/>
+              <a:t>tps</a:t>
+            </a:r>
+            <a:r>
+              <a:rPr spc="-5" dirty="0"/>
+              <a:t>:/</a:t>
+            </a:r>
+            <a:r>
+              <a:rPr spc="-10" dirty="0"/>
+              <a:t>/</a:t>
+            </a:r>
+            <a:r>
+              <a:rPr dirty="0"/>
+              <a:t>da</a:t>
+            </a:r>
+            <a:r>
+              <a:rPr spc="-10" dirty="0"/>
+              <a:t>c</a:t>
+            </a:r>
+            <a:r>
+              <a:rPr spc="-5" dirty="0"/>
+              <a:t>on</a:t>
+            </a:r>
+            <a:r>
+              <a:rPr spc="-10" dirty="0"/>
+              <a:t>.</a:t>
+            </a:r>
+            <a:r>
+              <a:rPr dirty="0"/>
+              <a:t>io</a:t>
+            </a:r>
+          </a:p>
+        </p:txBody>
+      </p:sp>
+      <p:sp>
+        <p:nvSpPr>
+          <p:cNvPr id="6" name="object 6"/>
+          <p:cNvSpPr txBox="1">
+            <a:spLocks noGrp="1"/>
+          </p:cNvSpPr>
+          <p:nvPr>
+            <p:ph type="sldNum" sz="quarter" idx="7"/>
+          </p:nvPr>
+        </p:nvSpPr>
+        <p:spPr>
+          <a:prstGeom prst="rect">
+            <a:avLst/>
+          </a:prstGeom>
+        </p:spPr>
+        <p:txBody>
+          <a:bodyPr vert="horz" wrap="square" lIns="0" tIns="0" rIns="0" bIns="0" rtlCol="0">
+            <a:spAutoFit/>
+          </a:bodyPr>
+          <a:lstStyle/>
+          <a:p>
+            <a:pPr marL="25400">
+              <a:lnSpc>
+                <a:spcPts val="1240"/>
+              </a:lnSpc>
+            </a:pPr>
+            <a:fld id="{81D60167-4931-47E6-BA6A-407CBD079E47}" type="slidenum">
+              <a:rPr dirty="0"/>
+              <a:t>13</a:t>
+            </a:fld>
+            <a:endParaRPr dirty="0"/>
+          </a:p>
+        </p:txBody>
+      </p:sp>
+    </p:spTree>
+  </p:cSld>
+  <p:clrMapOvr>
+    <a:masterClrMapping/>
+  </p:clrMapOvr>
+</p:sld>
+</file>
+
 <file path=ppt/slides/slide2.xml><?xml version="1.0" encoding="utf-8"?>
 <p:sld xmlns:a="http://schemas.openxmlformats.org/drawingml/2006/main" xmlns:r="http://schemas.openxmlformats.org/officeDocument/2006/relationships" xmlns:p="http://schemas.openxmlformats.org/presentationml/2006/main">
   <p:cSld>
@@ -5089,7 +5842,7 @@
     </p:spTree>
     <p:extLst>
       <p:ext uri="{BB962C8B-B14F-4D97-AF65-F5344CB8AC3E}">
-        <p14:creationId xmlns:p14="http://schemas.microsoft.com/office/powerpoint/2010/main" val="3448295989"/>
+        <p14:creationId xmlns:p14="http://schemas.microsoft.com/office/powerpoint/2010/main" val="292150578"/>
       </p:ext>
     </p:extLst>
   </p:cSld>
@@ -5245,7 +5998,7 @@
           <a:p>
             <a:r>
               <a:rPr lang="en-US" altLang="ko-KR" dirty="0"/>
-              <a:t>2. ______________</a:t>
+              <a:t>1. ______________</a:t>
             </a:r>
             <a:endParaRPr lang="ko-KR" altLang="en-US" dirty="0"/>
           </a:p>
@@ -5254,7 +6007,7 @@
     </p:spTree>
     <p:extLst>
       <p:ext uri="{BB962C8B-B14F-4D97-AF65-F5344CB8AC3E}">
-        <p14:creationId xmlns:p14="http://schemas.microsoft.com/office/powerpoint/2010/main" val="3022914089"/>
+        <p14:creationId xmlns:p14="http://schemas.microsoft.com/office/powerpoint/2010/main" val="3448295989"/>
       </p:ext>
     </p:extLst>
   </p:cSld>
@@ -5395,7 +6148,7 @@
         <p:spPr>
           <a:xfrm>
             <a:off x="475176" y="196018"/>
-            <a:ext cx="2649023" cy="369332"/>
+            <a:ext cx="3563424" cy="369332"/>
           </a:xfrm>
           <a:prstGeom prst="rect">
             <a:avLst/>
@@ -5410,16 +6163,61 @@
           <a:p>
             <a:r>
               <a:rPr lang="en-US" altLang="ko-KR" dirty="0"/>
-              <a:t>2. ______________</a:t>
-            </a:r>
-            <a:endParaRPr lang="ko-KR" altLang="en-US" dirty="0"/>
-          </a:p>
-        </p:txBody>
-      </p:sp>
+              <a:t>2. </a:t>
+            </a:r>
+            <a:r>
+              <a:rPr lang="ko-KR" altLang="en-US" dirty="0"/>
+              <a:t>모델</a:t>
+            </a:r>
+            <a:r>
+              <a:rPr lang="en-US" altLang="ko-KR" dirty="0"/>
+              <a:t> 1: </a:t>
+            </a:r>
+            <a:r>
+              <a:rPr lang="en-US" altLang="ko-KR" dirty="0" err="1"/>
+              <a:t>GoldBar</a:t>
+            </a:r>
+            <a:r>
+              <a:rPr lang="ko-KR" altLang="en-US" dirty="0"/>
+              <a:t>님 코드 공유</a:t>
+            </a:r>
+          </a:p>
+        </p:txBody>
+      </p:sp>
+      <p:pic>
+        <p:nvPicPr>
+          <p:cNvPr id="2" name="그림 1">
+            <a:extLst>
+              <a:ext uri="{FF2B5EF4-FFF2-40B4-BE49-F238E27FC236}">
+                <a16:creationId xmlns:a16="http://schemas.microsoft.com/office/drawing/2014/main" id="{85E3F34F-A81D-4CBD-AA5C-ADC4260490BB}"/>
+              </a:ext>
+            </a:extLst>
+          </p:cNvPr>
+          <p:cNvPicPr>
+            <a:picLocks noChangeAspect="1"/>
+          </p:cNvPicPr>
+          <p:nvPr/>
+        </p:nvPicPr>
+        <p:blipFill>
+          <a:blip r:embed="rId2"/>
+          <a:stretch>
+            <a:fillRect/>
+          </a:stretch>
+        </p:blipFill>
+        <p:spPr>
+          <a:xfrm>
+            <a:off x="2052290" y="1169450"/>
+            <a:ext cx="2753420" cy="2804599"/>
+          </a:xfrm>
+          <a:prstGeom prst="rect">
+            <a:avLst/>
+          </a:prstGeom>
+        </p:spPr>
+      </p:pic>
     </p:spTree>
     <p:extLst>
       <p:ext uri="{BB962C8B-B14F-4D97-AF65-F5344CB8AC3E}">
-        <p14:creationId xmlns:p14="http://schemas.microsoft.com/office/powerpoint/2010/main" val="169326554"/>
+        <p14:creationId xmlns:p14="http://schemas.microsoft.com/office/powerpoint/2010/main" val="3022914089"/>
       </p:ext>
     </p:extLst>
   </p:cSld>
@@ -5560,7 +6358,7 @@
         <p:spPr>
           <a:xfrm>
             <a:off x="475176" y="196018"/>
-            <a:ext cx="2649023" cy="369332"/>
+            <a:ext cx="3639624" cy="369332"/>
           </a:xfrm>
           <a:prstGeom prst="rect">
             <a:avLst/>
@@ -5575,16 +6373,105 @@
           <a:p>
             <a:r>
               <a:rPr lang="en-US" altLang="ko-KR" dirty="0"/>
-              <a:t>3. ______________</a:t>
+              <a:t>2. </a:t>
+            </a:r>
+            <a:r>
+              <a:rPr lang="ko-KR" altLang="en-US" dirty="0"/>
+              <a:t>모델 </a:t>
+            </a:r>
+            <a:r>
+              <a:rPr lang="en-US" altLang="ko-KR" dirty="0"/>
+              <a:t>2: Inception v3 </a:t>
+            </a:r>
+            <a:r>
+              <a:rPr lang="ko-KR" altLang="en-US" dirty="0"/>
+              <a:t>활용 코드 </a:t>
+            </a:r>
+            <a:r>
+              <a:rPr lang="en-US" altLang="ko-KR" dirty="0"/>
+              <a:t>- 1</a:t>
             </a:r>
             <a:endParaRPr lang="ko-KR" altLang="en-US" dirty="0"/>
+          </a:p>
+        </p:txBody>
+      </p:sp>
+      <p:pic>
+        <p:nvPicPr>
+          <p:cNvPr id="5" name="그림 4" descr="그리기, 시계이(가) 표시된 사진&#10;&#10;자동 생성된 설명">
+            <a:extLst>
+              <a:ext uri="{FF2B5EF4-FFF2-40B4-BE49-F238E27FC236}">
+                <a16:creationId xmlns:a16="http://schemas.microsoft.com/office/drawing/2014/main" id="{28E8C4BF-4C77-46FD-A8F4-E4FAC6316EBA}"/>
+              </a:ext>
+            </a:extLst>
+          </p:cNvPr>
+          <p:cNvPicPr>
+            <a:picLocks noChangeAspect="1"/>
+          </p:cNvPicPr>
+          <p:nvPr/>
+        </p:nvPicPr>
+        <p:blipFill>
+          <a:blip r:embed="rId2">
+            <a:extLst>
+              <a:ext uri="{28A0092B-C50C-407E-A947-70E740481C1C}">
+                <a14:useLocalDpi xmlns:a14="http://schemas.microsoft.com/office/drawing/2010/main" val="0"/>
+              </a:ext>
+            </a:extLst>
+          </a:blip>
+          <a:stretch>
+            <a:fillRect/>
+          </a:stretch>
+        </p:blipFill>
+        <p:spPr>
+          <a:xfrm>
+            <a:off x="2420463" y="1157287"/>
+            <a:ext cx="2017074" cy="2828925"/>
+          </a:xfrm>
+          <a:prstGeom prst="rect">
+            <a:avLst/>
+          </a:prstGeom>
+        </p:spPr>
+      </p:pic>
+      <p:sp>
+        <p:nvSpPr>
+          <p:cNvPr id="2" name="직사각형 1">
+            <a:extLst>
+              <a:ext uri="{FF2B5EF4-FFF2-40B4-BE49-F238E27FC236}">
+                <a16:creationId xmlns:a16="http://schemas.microsoft.com/office/drawing/2014/main" id="{03A9C40C-E7DA-4C1F-A62D-BB3FA8CE6C4B}"/>
+              </a:ext>
+            </a:extLst>
+          </p:cNvPr>
+          <p:cNvSpPr/>
+          <p:nvPr/>
+        </p:nvSpPr>
+        <p:spPr>
+          <a:xfrm>
+            <a:off x="421640" y="666750"/>
+            <a:ext cx="4838700" cy="307777"/>
+          </a:xfrm>
+          <a:prstGeom prst="rect">
+            <a:avLst/>
+          </a:prstGeom>
+        </p:spPr>
+        <p:txBody>
+          <a:bodyPr wrap="square">
+            <a:spAutoFit/>
+          </a:bodyPr>
+          <a:lstStyle/>
+          <a:p>
+            <a:r>
+              <a:rPr lang="en-US" altLang="ko-KR" sz="1400" dirty="0">
+                <a:hlinkClick r:id="rId3"/>
+              </a:rPr>
+              <a:t>https://norman3.github.io/papers/docs/google_inception.html</a:t>
+            </a:r>
+            <a:endParaRPr lang="ko-KR" altLang="en-US" sz="1400" dirty="0"/>
           </a:p>
         </p:txBody>
       </p:sp>
     </p:spTree>
     <p:extLst>
       <p:ext uri="{BB962C8B-B14F-4D97-AF65-F5344CB8AC3E}">
-        <p14:creationId xmlns:p14="http://schemas.microsoft.com/office/powerpoint/2010/main" val="1772632543"/>
+        <p14:creationId xmlns:p14="http://schemas.microsoft.com/office/powerpoint/2010/main" val="2493477672"/>
       </p:ext>
     </p:extLst>
   </p:cSld>
@@ -5725,7 +6612,7 @@
         <p:spPr>
           <a:xfrm>
             <a:off x="475176" y="196018"/>
-            <a:ext cx="2649023" cy="369332"/>
+            <a:ext cx="3639624" cy="369332"/>
           </a:xfrm>
           <a:prstGeom prst="rect">
             <a:avLst/>
@@ -5740,16 +6627,62 @@
           <a:p>
             <a:r>
               <a:rPr lang="en-US" altLang="ko-KR" dirty="0"/>
-              <a:t>3. ______________</a:t>
+              <a:t>2. </a:t>
+            </a:r>
+            <a:r>
+              <a:rPr lang="ko-KR" altLang="en-US" dirty="0"/>
+              <a:t>모델 </a:t>
+            </a:r>
+            <a:r>
+              <a:rPr lang="en-US" altLang="ko-KR" dirty="0"/>
+              <a:t>2: Inception v3 </a:t>
+            </a:r>
+            <a:r>
+              <a:rPr lang="ko-KR" altLang="en-US" dirty="0"/>
+              <a:t>활용 코드 </a:t>
+            </a:r>
+            <a:r>
+              <a:rPr lang="en-US" altLang="ko-KR" dirty="0"/>
+              <a:t>- 1</a:t>
             </a:r>
             <a:endParaRPr lang="ko-KR" altLang="en-US" dirty="0"/>
           </a:p>
         </p:txBody>
       </p:sp>
+      <p:pic>
+        <p:nvPicPr>
+          <p:cNvPr id="3" name="그림 2">
+            <a:extLst>
+              <a:ext uri="{FF2B5EF4-FFF2-40B4-BE49-F238E27FC236}">
+                <a16:creationId xmlns:a16="http://schemas.microsoft.com/office/drawing/2014/main" id="{5F424892-ADB8-4883-A8DB-6AA0C7E972EB}"/>
+              </a:ext>
+            </a:extLst>
+          </p:cNvPr>
+          <p:cNvPicPr>
+            <a:picLocks noChangeAspect="1"/>
+          </p:cNvPicPr>
+          <p:nvPr/>
+        </p:nvPicPr>
+        <p:blipFill>
+          <a:blip r:embed="rId2"/>
+          <a:stretch>
+            <a:fillRect/>
+          </a:stretch>
+        </p:blipFill>
+        <p:spPr>
+          <a:xfrm>
+            <a:off x="2002353" y="676275"/>
+            <a:ext cx="2853294" cy="3790950"/>
+          </a:xfrm>
+          <a:prstGeom prst="rect">
+            <a:avLst/>
+          </a:prstGeom>
+        </p:spPr>
+      </p:pic>
     </p:spTree>
     <p:extLst>
       <p:ext uri="{BB962C8B-B14F-4D97-AF65-F5344CB8AC3E}">
-        <p14:creationId xmlns:p14="http://schemas.microsoft.com/office/powerpoint/2010/main" val="2146382568"/>
+        <p14:creationId xmlns:p14="http://schemas.microsoft.com/office/powerpoint/2010/main" val="1461854870"/>
       </p:ext>
     </p:extLst>
   </p:cSld>
@@ -5778,137 +6711,7 @@
       </p:grpSpPr>
       <p:sp>
         <p:nvSpPr>
-          <p:cNvPr id="2" name="object 2"/>
-          <p:cNvSpPr txBox="1"/>
-          <p:nvPr/>
-        </p:nvSpPr>
-        <p:spPr>
-          <a:xfrm>
-            <a:off x="323189" y="182956"/>
-            <a:ext cx="1005205" cy="240029"/>
-          </a:xfrm>
-          <a:prstGeom prst="rect">
-            <a:avLst/>
-          </a:prstGeom>
-        </p:spPr>
-        <p:txBody>
-          <a:bodyPr vert="horz" wrap="square" lIns="0" tIns="13335" rIns="0" bIns="0" rtlCol="0">
-            <a:spAutoFit/>
-          </a:bodyPr>
-          <a:lstStyle/>
-          <a:p>
-            <a:pPr marL="12700">
-              <a:lnSpc>
-                <a:spcPct val="100000"/>
-              </a:lnSpc>
-              <a:spcBef>
-                <a:spcPts val="105"/>
-              </a:spcBef>
-            </a:pPr>
-            <a:r>
-              <a:rPr sz="1400" b="1" dirty="0">
-                <a:latin typeface="Trebuchet MS"/>
-                <a:cs typeface="Trebuchet MS"/>
-              </a:rPr>
-              <a:t>THANK</a:t>
-            </a:r>
-            <a:r>
-              <a:rPr sz="1400" b="1" spc="-90" dirty="0">
-                <a:latin typeface="Trebuchet MS"/>
-                <a:cs typeface="Trebuchet MS"/>
-              </a:rPr>
-              <a:t> </a:t>
-            </a:r>
-            <a:r>
-              <a:rPr sz="1400" b="1" spc="-5" dirty="0">
-                <a:latin typeface="Trebuchet MS"/>
-                <a:cs typeface="Trebuchet MS"/>
-              </a:rPr>
-              <a:t>YOU</a:t>
-            </a:r>
-            <a:endParaRPr sz="1400">
-              <a:latin typeface="Trebuchet MS"/>
-              <a:cs typeface="Trebuchet MS"/>
-            </a:endParaRPr>
-          </a:p>
-        </p:txBody>
-      </p:sp>
-      <p:sp>
-        <p:nvSpPr>
-          <p:cNvPr id="3" name="object 3"/>
-          <p:cNvSpPr txBox="1">
-            <a:spLocks noGrp="1"/>
-          </p:cNvSpPr>
-          <p:nvPr>
-            <p:ph type="title"/>
-          </p:nvPr>
-        </p:nvSpPr>
-        <p:spPr>
-          <a:prstGeom prst="rect">
-            <a:avLst/>
-          </a:prstGeom>
-        </p:spPr>
-        <p:txBody>
-          <a:bodyPr vert="horz" wrap="square" lIns="0" tIns="12700" rIns="0" bIns="0" rtlCol="0">
-            <a:spAutoFit/>
-          </a:bodyPr>
-          <a:lstStyle/>
-          <a:p>
-            <a:pPr marL="15240">
-              <a:lnSpc>
-                <a:spcPct val="100000"/>
-              </a:lnSpc>
-              <a:spcBef>
-                <a:spcPts val="100"/>
-              </a:spcBef>
-            </a:pPr>
-            <a:r>
-              <a:rPr dirty="0"/>
-              <a:t>THANK</a:t>
-            </a:r>
-            <a:r>
-              <a:rPr spc="-140" dirty="0"/>
-              <a:t> </a:t>
-            </a:r>
-            <a:r>
-              <a:rPr spc="-5" dirty="0"/>
-              <a:t>YOU</a:t>
-            </a:r>
-          </a:p>
-        </p:txBody>
-      </p:sp>
-      <p:sp>
-        <p:nvSpPr>
-          <p:cNvPr id="4" name="object 4"/>
-          <p:cNvSpPr/>
-          <p:nvPr/>
-        </p:nvSpPr>
-        <p:spPr>
-          <a:xfrm>
-            <a:off x="2236124" y="1187505"/>
-            <a:ext cx="2298747" cy="1203581"/>
-          </a:xfrm>
-          <a:prstGeom prst="rect">
-            <a:avLst/>
-          </a:prstGeom>
-          <a:blipFill>
-            <a:blip r:embed="rId2" cstate="print"/>
-            <a:stretch>
-              <a:fillRect/>
-            </a:stretch>
-          </a:blipFill>
-        </p:spPr>
-        <p:txBody>
-          <a:bodyPr wrap="square" lIns="0" tIns="0" rIns="0" bIns="0" rtlCol="0"/>
-          <a:lstStyle/>
-          <a:p>
-            <a:endParaRPr/>
-          </a:p>
-        </p:txBody>
-      </p:sp>
-      <p:sp>
-        <p:nvSpPr>
-          <p:cNvPr id="5" name="object 5"/>
+          <p:cNvPr id="29" name="object 29"/>
           <p:cNvSpPr txBox="1">
             <a:spLocks noGrp="1"/>
           </p:cNvSpPr>
@@ -5973,7 +6776,7 @@
       </p:sp>
       <p:sp>
         <p:nvSpPr>
-          <p:cNvPr id="6" name="object 6"/>
+          <p:cNvPr id="30" name="object 30"/>
           <p:cNvSpPr txBox="1">
             <a:spLocks noGrp="1"/>
           </p:cNvSpPr>
@@ -6005,7 +6808,97 @@
           </a:p>
         </p:txBody>
       </p:sp>
+      <p:sp>
+        <p:nvSpPr>
+          <p:cNvPr id="27" name="TextBox 26">
+            <a:extLst>
+              <a:ext uri="{FF2B5EF4-FFF2-40B4-BE49-F238E27FC236}">
+                <a16:creationId xmlns:a16="http://schemas.microsoft.com/office/drawing/2014/main" id="{EC1685DE-9F1C-4C45-ACAA-4D63BB604828}"/>
+              </a:ext>
+            </a:extLst>
+          </p:cNvPr>
+          <p:cNvSpPr txBox="1"/>
+          <p:nvPr/>
+        </p:nvSpPr>
+        <p:spPr>
+          <a:xfrm>
+            <a:off x="475176" y="196018"/>
+            <a:ext cx="4020624" cy="369332"/>
+          </a:xfrm>
+          <a:prstGeom prst="rect">
+            <a:avLst/>
+          </a:prstGeom>
+          <a:noFill/>
+        </p:spPr>
+        <p:txBody>
+          <a:bodyPr wrap="square" rtlCol="0">
+            <a:spAutoFit/>
+          </a:bodyPr>
+          <a:lstStyle/>
+          <a:p>
+            <a:r>
+              <a:rPr lang="en-US" altLang="ko-KR" dirty="0"/>
+              <a:t>2. </a:t>
+            </a:r>
+            <a:r>
+              <a:rPr lang="ko-KR" altLang="en-US" dirty="0"/>
+              <a:t>모델 </a:t>
+            </a:r>
+            <a:r>
+              <a:rPr lang="en-US" altLang="ko-KR" dirty="0"/>
+              <a:t>3: Inception v3 </a:t>
+            </a:r>
+            <a:r>
+              <a:rPr lang="ko-KR" altLang="en-US" dirty="0"/>
+              <a:t>활용 코드 </a:t>
+            </a:r>
+            <a:r>
+              <a:rPr lang="en-US" altLang="ko-KR" dirty="0"/>
+              <a:t>- 2</a:t>
+            </a:r>
+            <a:r>
+              <a:rPr lang="ko-KR" altLang="en-US" dirty="0"/>
+              <a:t> </a:t>
+            </a:r>
+          </a:p>
+        </p:txBody>
+      </p:sp>
+      <p:pic>
+        <p:nvPicPr>
+          <p:cNvPr id="3" name="그림 2">
+            <a:extLst>
+              <a:ext uri="{FF2B5EF4-FFF2-40B4-BE49-F238E27FC236}">
+                <a16:creationId xmlns:a16="http://schemas.microsoft.com/office/drawing/2014/main" id="{91C202E6-85FC-4463-8466-2E52D56F9FAB}"/>
+              </a:ext>
+            </a:extLst>
+          </p:cNvPr>
+          <p:cNvPicPr>
+            <a:picLocks noChangeAspect="1"/>
+          </p:cNvPicPr>
+          <p:nvPr/>
+        </p:nvPicPr>
+        <p:blipFill>
+          <a:blip r:embed="rId2"/>
+          <a:stretch>
+            <a:fillRect/>
+          </a:stretch>
+        </p:blipFill>
+        <p:spPr>
+          <a:xfrm>
+            <a:off x="2011256" y="683095"/>
+            <a:ext cx="2835487" cy="3777309"/>
+          </a:xfrm>
+          <a:prstGeom prst="rect">
+            <a:avLst/>
+          </a:prstGeom>
+        </p:spPr>
+      </p:pic>
     </p:spTree>
+    <p:extLst>
+      <p:ext uri="{BB962C8B-B14F-4D97-AF65-F5344CB8AC3E}">
+        <p14:creationId xmlns:p14="http://schemas.microsoft.com/office/powerpoint/2010/main" val="1438897874"/>
+      </p:ext>
+    </p:extLst>
   </p:cSld>
   <p:clrMapOvr>
     <a:masterClrMapping/>
